--- a/docs/Como uma aplicação baseada em fluxo de dados pode ampliar a segurança em creches.pptx
+++ b/docs/Como uma aplicação baseada em fluxo de dados pode ampliar a segurança em creches.pptx
@@ -8,8 +8,8 @@
     <p:sldId id="258" r:id="rId2"/>
     <p:sldId id="257" r:id="rId3"/>
     <p:sldId id="277" r:id="rId4"/>
-    <p:sldId id="259" r:id="rId5"/>
-    <p:sldId id="270" r:id="rId6"/>
+    <p:sldId id="270" r:id="rId5"/>
+    <p:sldId id="278" r:id="rId6"/>
     <p:sldId id="268" r:id="rId7"/>
     <p:sldId id="260" r:id="rId8"/>
     <p:sldId id="265" r:id="rId9"/>
@@ -262,7 +262,7 @@
           <a:p>
             <a:fld id="{48A87A34-81AB-432B-8DAE-1953F412C126}" type="datetimeFigureOut">
               <a:rPr lang="en-US" dirty="0"/>
-              <a:t>10/26/2017</a:t>
+              <a:t>10/27/2017</a:t>
             </a:fld>
             <a:endParaRPr lang="en-US" dirty="0"/>
           </a:p>
@@ -544,7 +544,7 @@
           <a:p>
             <a:fld id="{48A87A34-81AB-432B-8DAE-1953F412C126}" type="datetimeFigureOut">
               <a:rPr lang="en-US" dirty="0"/>
-              <a:t>10/26/2017</a:t>
+              <a:t>10/27/2017</a:t>
             </a:fld>
             <a:endParaRPr lang="en-US" dirty="0"/>
           </a:p>
@@ -731,7 +731,7 @@
           <a:p>
             <a:fld id="{48A87A34-81AB-432B-8DAE-1953F412C126}" type="datetimeFigureOut">
               <a:rPr lang="en-US" dirty="0"/>
-              <a:t>10/26/2017</a:t>
+              <a:t>10/27/2017</a:t>
             </a:fld>
             <a:endParaRPr lang="en-US" dirty="0"/>
           </a:p>
@@ -987,7 +987,7 @@
           <a:p>
             <a:fld id="{48A87A34-81AB-432B-8DAE-1953F412C126}" type="datetimeFigureOut">
               <a:rPr lang="en-US" dirty="0"/>
-              <a:t>10/26/2017</a:t>
+              <a:t>10/27/2017</a:t>
             </a:fld>
             <a:endParaRPr lang="en-US" dirty="0"/>
           </a:p>
@@ -1406,7 +1406,7 @@
           <a:p>
             <a:fld id="{48A87A34-81AB-432B-8DAE-1953F412C126}" type="datetimeFigureOut">
               <a:rPr lang="en-US" dirty="0"/>
-              <a:t>10/26/2017</a:t>
+              <a:t>10/27/2017</a:t>
             </a:fld>
             <a:endParaRPr lang="en-US" dirty="0"/>
           </a:p>
@@ -1947,7 +1947,7 @@
           <a:p>
             <a:fld id="{48A87A34-81AB-432B-8DAE-1953F412C126}" type="datetimeFigureOut">
               <a:rPr lang="en-US" dirty="0"/>
-              <a:t>10/26/2017</a:t>
+              <a:t>10/27/2017</a:t>
             </a:fld>
             <a:endParaRPr lang="en-US" dirty="0"/>
           </a:p>
@@ -2782,7 +2782,7 @@
           <a:p>
             <a:fld id="{48A87A34-81AB-432B-8DAE-1953F412C126}" type="datetimeFigureOut">
               <a:rPr lang="en-US" dirty="0"/>
-              <a:t>10/26/2017</a:t>
+              <a:t>10/27/2017</a:t>
             </a:fld>
             <a:endParaRPr lang="en-US" dirty="0"/>
           </a:p>
@@ -2947,7 +2947,7 @@
           <a:p>
             <a:fld id="{48A87A34-81AB-432B-8DAE-1953F412C126}" type="datetimeFigureOut">
               <a:rPr lang="en-US" dirty="0"/>
-              <a:t>10/26/2017</a:t>
+              <a:t>10/27/2017</a:t>
             </a:fld>
             <a:endParaRPr lang="en-US" dirty="0"/>
           </a:p>
@@ -3126,7 +3126,7 @@
           <a:p>
             <a:fld id="{48A87A34-81AB-432B-8DAE-1953F412C126}" type="datetimeFigureOut">
               <a:rPr lang="en-US" dirty="0"/>
-              <a:t>10/26/2017</a:t>
+              <a:t>10/27/2017</a:t>
             </a:fld>
             <a:endParaRPr lang="en-US" dirty="0"/>
           </a:p>
@@ -3291,7 +3291,7 @@
           <a:p>
             <a:fld id="{48A87A34-81AB-432B-8DAE-1953F412C126}" type="datetimeFigureOut">
               <a:rPr lang="en-US" dirty="0"/>
-              <a:t>10/26/2017</a:t>
+              <a:t>10/27/2017</a:t>
             </a:fld>
             <a:endParaRPr lang="en-US" dirty="0"/>
           </a:p>
@@ -3534,7 +3534,7 @@
           <a:p>
             <a:fld id="{48A87A34-81AB-432B-8DAE-1953F412C126}" type="datetimeFigureOut">
               <a:rPr lang="en-US" dirty="0"/>
-              <a:t>10/26/2017</a:t>
+              <a:t>10/27/2017</a:t>
             </a:fld>
             <a:endParaRPr lang="en-US" dirty="0"/>
           </a:p>
@@ -3766,7 +3766,7 @@
           <a:p>
             <a:fld id="{48A87A34-81AB-432B-8DAE-1953F412C126}" type="datetimeFigureOut">
               <a:rPr lang="en-US" dirty="0"/>
-              <a:t>10/26/2017</a:t>
+              <a:t>10/27/2017</a:t>
             </a:fld>
             <a:endParaRPr lang="en-US" dirty="0"/>
           </a:p>
@@ -4134,7 +4134,7 @@
           <a:p>
             <a:fld id="{48A87A34-81AB-432B-8DAE-1953F412C126}" type="datetimeFigureOut">
               <a:rPr lang="en-US" dirty="0"/>
-              <a:t>10/26/2017</a:t>
+              <a:t>10/27/2017</a:t>
             </a:fld>
             <a:endParaRPr lang="en-US" dirty="0"/>
           </a:p>
@@ -4247,7 +4247,7 @@
           <a:p>
             <a:fld id="{48A87A34-81AB-432B-8DAE-1953F412C126}" type="datetimeFigureOut">
               <a:rPr lang="en-US" dirty="0"/>
-              <a:t>10/26/2017</a:t>
+              <a:t>10/27/2017</a:t>
             </a:fld>
             <a:endParaRPr lang="en-US" dirty="0"/>
           </a:p>
@@ -4337,7 +4337,7 @@
           <a:p>
             <a:fld id="{48A87A34-81AB-432B-8DAE-1953F412C126}" type="datetimeFigureOut">
               <a:rPr lang="en-US" dirty="0"/>
-              <a:t>10/26/2017</a:t>
+              <a:t>10/27/2017</a:t>
             </a:fld>
             <a:endParaRPr lang="en-US" dirty="0"/>
           </a:p>
@@ -4583,7 +4583,7 @@
           <a:p>
             <a:fld id="{48A87A34-81AB-432B-8DAE-1953F412C126}" type="datetimeFigureOut">
               <a:rPr lang="en-US" dirty="0"/>
-              <a:t>10/26/2017</a:t>
+              <a:t>10/27/2017</a:t>
             </a:fld>
             <a:endParaRPr lang="en-US" dirty="0"/>
           </a:p>
@@ -4865,7 +4865,7 @@
           <a:p>
             <a:fld id="{48A87A34-81AB-432B-8DAE-1953F412C126}" type="datetimeFigureOut">
               <a:rPr lang="en-US" dirty="0"/>
-              <a:t>10/26/2017</a:t>
+              <a:t>10/27/2017</a:t>
             </a:fld>
             <a:endParaRPr lang="en-US" dirty="0"/>
           </a:p>
@@ -5074,7 +5074,7 @@
             <a:fld id="{48A87A34-81AB-432B-8DAE-1953F412C126}" type="datetimeFigureOut">
               <a:rPr lang="en-US" dirty="0"/>
               <a:pPr/>
-              <a:t>10/26/2017</a:t>
+              <a:t>10/27/2017</a:t>
             </a:fld>
             <a:endParaRPr lang="en-US" dirty="0"/>
           </a:p>
@@ -5563,12 +5563,14 @@
         </p:nvSpPr>
         <p:spPr/>
         <p:txBody>
-          <a:bodyPr/>
-          <a:lstStyle/>
-          <a:p>
-            <a:r>
-              <a:rPr lang="pt-BR" dirty="0" smtClean="0"/>
-              <a:t>Aplicações baseadas em fluxo de dados</a:t>
+          <a:bodyPr>
+            <a:normAutofit fontScale="90000"/>
+          </a:bodyPr>
+          <a:lstStyle/>
+          <a:p>
+            <a:r>
+              <a:rPr lang="pt-BR" dirty="0"/>
+              <a:t>Como uma aplicação baseada em fluxo de dados pode ampliar a segurança em creches</a:t>
             </a:r>
             <a:endParaRPr lang="en-US" dirty="0"/>
           </a:p>
@@ -6196,11 +6198,7 @@
           <a:p>
             <a:r>
               <a:rPr lang="pt-BR" dirty="0" smtClean="0"/>
-              <a:t>Consumo e projeção </a:t>
-            </a:r>
-            <a:r>
-              <a:rPr lang="pt-BR" dirty="0" smtClean="0"/>
-              <a:t>de eventos</a:t>
+              <a:t>Consumo e projeção de eventos</a:t>
             </a:r>
             <a:endParaRPr lang="en-US" dirty="0"/>
           </a:p>
@@ -7249,6 +7247,20 @@
             </a:r>
           </a:p>
           <a:p>
+            <a:r>
+              <a:rPr lang="pt-BR" dirty="0" smtClean="0"/>
+              <a:t>Complexidade dos Princípios de </a:t>
+            </a:r>
+            <a:r>
+              <a:rPr lang="pt-BR" dirty="0" err="1" smtClean="0"/>
+              <a:t>Microserviços</a:t>
+            </a:r>
+            <a:r>
+              <a:rPr lang="pt-BR" dirty="0" smtClean="0"/>
+              <a:t> e da comunicação distribuída</a:t>
+            </a:r>
+          </a:p>
+          <a:p>
             <a:endParaRPr lang="en-US" dirty="0"/>
           </a:p>
         </p:txBody>
@@ -7263,6 +7275,13 @@
   <p:clrMapOvr>
     <a:masterClrMapping/>
   </p:clrMapOvr>
+  <p:timing>
+    <p:tnLst>
+      <p:par>
+        <p:cTn id="1" dur="indefinite" restart="never" nodeType="tmRoot"/>
+      </p:par>
+    </p:tnLst>
+  </p:timing>
 </p:sld>
 </file>
 
@@ -7345,7 +7364,15 @@
             </a:pPr>
             <a:r>
               <a:rPr lang="pt-BR" dirty="0" smtClean="0"/>
-              <a:t>Alta performance de escrita em </a:t>
+              <a:t>Alta </a:t>
+            </a:r>
+            <a:r>
+              <a:rPr lang="pt-BR" b="1" dirty="0" smtClean="0"/>
+              <a:t>performance</a:t>
+            </a:r>
+            <a:r>
+              <a:rPr lang="pt-BR" dirty="0" smtClean="0"/>
+              <a:t> de escrita em </a:t>
             </a:r>
             <a:r>
               <a:rPr lang="pt-BR" dirty="0" err="1" smtClean="0"/>
@@ -7363,8 +7390,20 @@
               <a:buAutoNum type="arabicPeriod"/>
             </a:pPr>
             <a:r>
+              <a:rPr lang="pt-BR" u="sng" dirty="0" smtClean="0"/>
+              <a:t>Evita o Ponto único de falha</a:t>
+            </a:r>
+            <a:r>
               <a:rPr lang="pt-BR" dirty="0" smtClean="0"/>
-              <a:t>Evita o “Ponto único de falha” ao armazenar dados distribuídos.</a:t>
+              <a:t> ao armazenar dados </a:t>
+            </a:r>
+            <a:r>
+              <a:rPr lang="pt-BR" b="1" dirty="0" smtClean="0"/>
+              <a:t>distribuídos</a:t>
+            </a:r>
+            <a:r>
+              <a:rPr lang="pt-BR" dirty="0" smtClean="0"/>
+              <a:t>.</a:t>
             </a:r>
           </a:p>
           <a:p>
@@ -7419,6 +7458,13 @@
   <p:clrMapOvr>
     <a:masterClrMapping/>
   </p:clrMapOvr>
+  <p:timing>
+    <p:tnLst>
+      <p:par>
+        <p:cTn id="1" dur="indefinite" restart="never" nodeType="tmRoot"/>
+      </p:par>
+    </p:tnLst>
+  </p:timing>
 </p:sld>
 </file>
 
@@ -7497,14 +7543,23 @@
           <a:p>
             <a:r>
               <a:rPr lang="pt-BR" dirty="0"/>
-              <a:t>Redes Sociais</a:t>
-            </a:r>
-            <a:endParaRPr lang="pt-BR" dirty="0" smtClean="0"/>
+              <a:t>Redes </a:t>
+            </a:r>
+            <a:r>
+              <a:rPr lang="pt-BR" dirty="0" smtClean="0"/>
+              <a:t>Sociais</a:t>
+            </a:r>
           </a:p>
           <a:p>
             <a:r>
               <a:rPr lang="pt-BR" dirty="0" smtClean="0"/>
               <a:t>Aplicações Reativas a Eventos</a:t>
+            </a:r>
+          </a:p>
+          <a:p>
+            <a:r>
+              <a:rPr lang="pt-BR" dirty="0"/>
+              <a:t>Sistemas que possuem rastreamento do comportamento do usuário</a:t>
             </a:r>
             <a:endParaRPr lang="en-US" dirty="0"/>
           </a:p>
@@ -8087,6 +8142,13 @@
   <p:clrMapOvr>
     <a:masterClrMapping/>
   </p:clrMapOvr>
+  <p:timing>
+    <p:tnLst>
+      <p:par>
+        <p:cTn id="1" dur="indefinite" restart="never" nodeType="tmRoot"/>
+      </p:par>
+    </p:tnLst>
+  </p:timing>
 </p:sld>
 </file>
 
@@ -8314,8 +8376,12 @@
               <a:rPr lang="pt-BR" dirty="0" smtClean="0"/>
             </a:br>
             <a:r>
+              <a:rPr lang="pt-BR" smtClean="0"/>
+              <a:t>Professora </a:t>
+            </a:r>
+            <a:r>
               <a:rPr lang="pt-BR" dirty="0" smtClean="0"/>
-              <a:t>Professor do Centro Universitário de Belo Horizonte – UNI-BH</a:t>
+              <a:t>do Centro Universitário de Belo Horizonte – UNI-BH</a:t>
             </a:r>
             <a:br>
               <a:rPr lang="pt-BR" dirty="0" smtClean="0"/>
@@ -8384,7 +8450,7 @@
           <a:p>
             <a:r>
               <a:rPr lang="pt-BR" dirty="0" smtClean="0"/>
-              <a:t>Introdução</a:t>
+              <a:t>Agenda</a:t>
             </a:r>
             <a:endParaRPr lang="en-US" dirty="0"/>
           </a:p>
@@ -8435,6 +8501,13 @@
   <p:clrMapOvr>
     <a:masterClrMapping/>
   </p:clrMapOvr>
+  <p:timing>
+    <p:tnLst>
+      <p:par>
+        <p:cTn id="1" dur="indefinite" restart="never" nodeType="tmRoot"/>
+      </p:par>
+    </p:tnLst>
+  </p:timing>
 </p:sld>
 </file>
 
@@ -8488,14 +8561,14 @@
             <p:ph idx="1"/>
             <p:extLst>
               <p:ext uri="{D42A27DB-BD31-4B8C-83A1-F6EECF244321}">
-                <p14:modId xmlns:p14="http://schemas.microsoft.com/office/powerpoint/2010/main" val="1570414813"/>
+                <p14:modId xmlns:p14="http://schemas.microsoft.com/office/powerpoint/2010/main" val="3319127935"/>
               </p:ext>
             </p:extLst>
           </p:nvPr>
         </p:nvGraphicFramePr>
         <p:xfrm>
           <a:off x="914398" y="2095500"/>
-          <a:ext cx="9367522" cy="1483360"/>
+          <a:ext cx="9677402" cy="1752600"/>
         </p:xfrm>
         <a:graphic>
           <a:graphicData uri="http://schemas.openxmlformats.org/drawingml/2006/table">
@@ -8504,10 +8577,10 @@
                 <a:tableStyleId>{93296810-A885-4BE3-A3E7-6D5BEEA58F35}</a:tableStyleId>
               </a:tblPr>
               <a:tblGrid>
-                <a:gridCol w="2391190"/>
-                <a:gridCol w="2579308"/>
-                <a:gridCol w="1689288"/>
-                <a:gridCol w="2707736"/>
+                <a:gridCol w="2470291"/>
+                <a:gridCol w="2664632"/>
+                <a:gridCol w="1745170"/>
+                <a:gridCol w="2797309"/>
               </a:tblGrid>
               <a:tr h="370840">
                 <a:tc>
@@ -8806,7 +8879,7 @@
     </p:spTree>
     <p:extLst>
       <p:ext uri="{BB962C8B-B14F-4D97-AF65-F5344CB8AC3E}">
-        <p14:creationId xmlns:p14="http://schemas.microsoft.com/office/powerpoint/2010/main" val="1839962042"/>
+        <p14:creationId xmlns:p14="http://schemas.microsoft.com/office/powerpoint/2010/main" val="1226935501"/>
       </p:ext>
     </p:extLst>
   </p:cSld>
@@ -8873,14 +8946,14 @@
             <p:ph idx="1"/>
             <p:extLst>
               <p:ext uri="{D42A27DB-BD31-4B8C-83A1-F6EECF244321}">
-                <p14:modId xmlns:p14="http://schemas.microsoft.com/office/powerpoint/2010/main" val="2826601645"/>
+                <p14:modId xmlns:p14="http://schemas.microsoft.com/office/powerpoint/2010/main" val="3319127935"/>
               </p:ext>
             </p:extLst>
           </p:nvPr>
         </p:nvGraphicFramePr>
         <p:xfrm>
           <a:off x="914398" y="2095500"/>
-          <a:ext cx="9367522" cy="1483360"/>
+          <a:ext cx="9677402" cy="1752600"/>
         </p:xfrm>
         <a:graphic>
           <a:graphicData uri="http://schemas.openxmlformats.org/drawingml/2006/table">
@@ -8889,10 +8962,10 @@
                 <a:tableStyleId>{93296810-A885-4BE3-A3E7-6D5BEEA58F35}</a:tableStyleId>
               </a:tblPr>
               <a:tblGrid>
-                <a:gridCol w="2391190"/>
-                <a:gridCol w="2579308"/>
-                <a:gridCol w="1689288"/>
-                <a:gridCol w="2707736"/>
+                <a:gridCol w="2470291"/>
+                <a:gridCol w="2664632"/>
+                <a:gridCol w="1745170"/>
+                <a:gridCol w="2797309"/>
               </a:tblGrid>
               <a:tr h="370840">
                 <a:tc>
@@ -9197,14 +9270,14 @@
           <p:nvPr>
             <p:extLst>
               <p:ext uri="{D42A27DB-BD31-4B8C-83A1-F6EECF244321}">
-                <p14:modId xmlns:p14="http://schemas.microsoft.com/office/powerpoint/2010/main" val="3488747885"/>
+                <p14:modId xmlns:p14="http://schemas.microsoft.com/office/powerpoint/2010/main" val="3911999489"/>
               </p:ext>
             </p:extLst>
           </p:nvPr>
         </p:nvGraphicFramePr>
         <p:xfrm>
           <a:off x="914398" y="4229100"/>
-          <a:ext cx="9367522" cy="1483360"/>
+          <a:ext cx="9677402" cy="1752600"/>
         </p:xfrm>
         <a:graphic>
           <a:graphicData uri="http://schemas.openxmlformats.org/drawingml/2006/table">
@@ -9213,10 +9286,10 @@
                 <a:tableStyleId>{93296810-A885-4BE3-A3E7-6D5BEEA58F35}</a:tableStyleId>
               </a:tblPr>
               <a:tblGrid>
-                <a:gridCol w="2391190"/>
-                <a:gridCol w="2579308"/>
-                <a:gridCol w="1689288"/>
-                <a:gridCol w="2707736"/>
+                <a:gridCol w="2470291"/>
+                <a:gridCol w="2664632"/>
+                <a:gridCol w="1745170"/>
+                <a:gridCol w="2797309"/>
               </a:tblGrid>
               <a:tr h="370840">
                 <a:tc>
@@ -9328,7 +9401,13 @@
                       <a:endParaRPr lang="en-US" dirty="0"/>
                     </a:p>
                   </a:txBody>
-                  <a:tcPr/>
+                  <a:tcPr>
+                    <a:solidFill>
+                      <a:schemeClr val="tx2">
+                        <a:lumMod val="50000"/>
+                      </a:schemeClr>
+                    </a:solidFill>
+                  </a:tcPr>
                 </a:tc>
                 <a:tc>
                   <a:txBody>
@@ -9506,11 +9585,7 @@
             </a:r>
             <a:r>
               <a:rPr lang="pt-BR" b="1" dirty="0" smtClean="0"/>
-              <a:t>18 </a:t>
-            </a:r>
-            <a:r>
-              <a:rPr lang="pt-BR" b="1" dirty="0" smtClean="0"/>
-              <a:t>de agosto</a:t>
+              <a:t>18 de agosto</a:t>
             </a:r>
             <a:endParaRPr lang="en-US" b="1" dirty="0"/>
           </a:p>
@@ -9524,7 +9599,7 @@
         </p:nvSpPr>
         <p:spPr>
           <a:xfrm>
-            <a:off x="10348563" y="2538968"/>
+            <a:off x="10700988" y="2538968"/>
             <a:ext cx="918993" cy="2469912"/>
           </a:xfrm>
           <a:prstGeom prst="curvedLeftArrow">
@@ -9629,7 +9704,7 @@
     </p:spTree>
     <p:extLst>
       <p:ext uri="{BB962C8B-B14F-4D97-AF65-F5344CB8AC3E}">
-        <p14:creationId xmlns:p14="http://schemas.microsoft.com/office/powerpoint/2010/main" val="1226935501"/>
+        <p14:creationId xmlns:p14="http://schemas.microsoft.com/office/powerpoint/2010/main" val="2474116901"/>
       </p:ext>
     </p:extLst>
   </p:cSld>
@@ -10251,13 +10326,8 @@
                       <a:pPr algn="l"/>
                       <a:r>
                         <a:rPr lang="pt-BR" sz="1400" dirty="0" smtClean="0"/>
-                        <a:t>Data: </a:t>
+                        <a:t>Data: 23/08/2017</a:t>
                       </a:r>
-                      <a:r>
-                        <a:rPr lang="pt-BR" sz="1400" dirty="0" smtClean="0"/>
-                        <a:t>23/08/2017</a:t>
-                      </a:r>
-                      <a:endParaRPr lang="pt-BR" sz="1400" dirty="0" smtClean="0"/>
                     </a:p>
                     <a:p>
                       <a:pPr algn="l"/>
@@ -10320,13 +10390,8 @@
                       </a:r>
                       <a:r>
                         <a:rPr lang="pt-BR" sz="1400" baseline="0" dirty="0" smtClean="0"/>
-                        <a:t> </a:t>
+                        <a:t> 25/08/2017</a:t>
                       </a:r>
-                      <a:r>
-                        <a:rPr lang="pt-BR" sz="1400" baseline="0" dirty="0" smtClean="0"/>
-                        <a:t>25/08/2017</a:t>
-                      </a:r>
-                      <a:endParaRPr lang="pt-BR" sz="1400" baseline="0" dirty="0" smtClean="0"/>
                     </a:p>
                     <a:p>
                       <a:pPr algn="l"/>
@@ -10462,7 +10527,6 @@
               <a:rPr lang="pt-BR" dirty="0" smtClean="0"/>
               <a:t>Sabemos o porquê,</a:t>
             </a:r>
-            <a:endParaRPr lang="pt-BR" dirty="0" smtClean="0"/>
           </a:p>
           <a:p>
             <a:pPr algn="ctr"/>
@@ -10472,15 +10536,7 @@
             </a:r>
             <a:r>
               <a:rPr lang="pt-BR" dirty="0" smtClean="0"/>
-              <a:t> quem, </a:t>
-            </a:r>
-            <a:r>
-              <a:rPr lang="pt-BR" dirty="0" smtClean="0"/>
-              <a:t>e</a:t>
-            </a:r>
-            <a:r>
-              <a:rPr lang="pt-BR" dirty="0" smtClean="0"/>
-              <a:t> o quando de cada alteração</a:t>
+              <a:t> quem, e o quando de cada alteração</a:t>
             </a:r>
             <a:endParaRPr lang="en-US" dirty="0"/>
           </a:p>
@@ -10928,11 +10984,7 @@
             </a:pPr>
             <a:r>
               <a:rPr lang="pt-BR" dirty="0" smtClean="0"/>
-              <a:t>Construir uma linguagem ubíqua entre o Negócio e o </a:t>
-            </a:r>
-            <a:r>
-              <a:rPr lang="pt-BR" dirty="0" smtClean="0"/>
-              <a:t>Desenvolvimento</a:t>
+              <a:t>Construir uma linguagem ubíqua entre o Negócio e o Desenvolvimento</a:t>
             </a:r>
           </a:p>
           <a:p>
